--- a/Presentazione PyBanking.pptx
+++ b/Presentazione PyBanking.pptx
@@ -14267,7 +14267,7 @@
                   <a:srgbClr val="7CA655"/>
                 </a:solidFill>
               </a:rPr>
-              <a:t>, l’utente ha la possibilità di ritornare alla pagina inziale digitando </a:t>
+              <a:t>, l’utente ha la possibilità di ritornare alla pagina iniziale digitando </a:t>
             </a:r>
             <a:r>
               <a:rPr lang="it-IT" sz="2000" b="1" i="1" dirty="0">
